--- a/capstone project.pptx
+++ b/capstone project.pptx
@@ -1545,94 +1545,54 @@
               </a:spcBef>
             </a:pPr>
             <a:r>
-              <a:rPr lang="en-US" sz="1800" spc="-105" dirty="0">
+              <a:rPr lang="en-US" spc="-105" dirty="0">
                 <a:solidFill>
                   <a:srgbClr val="E7E6E6"/>
                 </a:solidFill>
                 <a:latin typeface="Microsoft Sans Serif"/>
                 <a:cs typeface="Microsoft Sans Serif"/>
               </a:rPr>
-              <a:t>Polepalli </a:t>
-            </a:r>
-            <a:r>
-              <a:rPr lang="en-US" spc="-105" dirty="0">
+              <a:t>TATA SUMANTH</a:t>
+            </a:r>
+            <a:r>
+              <a:rPr sz="1800" dirty="0">
                 <a:solidFill>
                   <a:srgbClr val="E7E6E6"/>
                 </a:solidFill>
                 <a:latin typeface="Microsoft Sans Serif"/>
                 <a:cs typeface="Microsoft Sans Serif"/>
               </a:rPr>
-              <a:t>U</a:t>
-            </a:r>
-            <a:r>
-              <a:rPr lang="en-US" sz="1800" spc="-105" dirty="0">
+              <a:t> </a:t>
+            </a:r>
+            <a:r>
+              <a:rPr sz="1800" spc="-10" dirty="0">
                 <a:solidFill>
                   <a:srgbClr val="E7E6E6"/>
                 </a:solidFill>
                 <a:latin typeface="Microsoft Sans Serif"/>
                 <a:cs typeface="Microsoft Sans Serif"/>
               </a:rPr>
-              <a:t>day Kiran</a:t>
-            </a:r>
-            <a:r>
-              <a:rPr sz="1800" dirty="0">
+              <a:t>2</a:t>
+            </a:r>
+            <a:r>
+              <a:rPr lang="en-US" spc="-10" dirty="0">
                 <a:solidFill>
                   <a:srgbClr val="E7E6E6"/>
                 </a:solidFill>
                 <a:latin typeface="Microsoft Sans Serif"/>
                 <a:cs typeface="Microsoft Sans Serif"/>
               </a:rPr>
-              <a:t> </a:t>
-            </a:r>
-            <a:r>
-              <a:rPr sz="1800" spc="-10" dirty="0">
+              <a:t>1</a:t>
+            </a:r>
+            <a:r>
+              <a:rPr lang="en-US" sz="1800" spc="-10" dirty="0">
                 <a:solidFill>
                   <a:srgbClr val="E7E6E6"/>
                 </a:solidFill>
                 <a:latin typeface="Microsoft Sans Serif"/>
                 <a:cs typeface="Microsoft Sans Serif"/>
               </a:rPr>
-              <a:t>2</a:t>
-            </a:r>
-            <a:r>
-              <a:rPr lang="en-US" spc="-10" dirty="0">
-                <a:solidFill>
-                  <a:srgbClr val="E7E6E6"/>
-                </a:solidFill>
-                <a:latin typeface="Microsoft Sans Serif"/>
-                <a:cs typeface="Microsoft Sans Serif"/>
-              </a:rPr>
-              <a:t>1</a:t>
-            </a:r>
-            <a:r>
-              <a:rPr lang="en-US" sz="1800" spc="-10" dirty="0">
-                <a:solidFill>
-                  <a:srgbClr val="E7E6E6"/>
-                </a:solidFill>
-                <a:latin typeface="Microsoft Sans Serif"/>
-                <a:cs typeface="Microsoft Sans Serif"/>
-              </a:rPr>
-              <a:t>th</a:t>
-            </a:r>
-            <a:r>
-              <a:rPr sz="1800" spc="284" baseline="20833" dirty="0">
-                <a:solidFill>
-                  <a:srgbClr val="E7E6E6"/>
-                </a:solidFill>
-                <a:latin typeface="Microsoft Sans Serif"/>
-                <a:cs typeface="Microsoft Sans Serif"/>
-              </a:rPr>
-              <a:t> </a:t>
-            </a:r>
-            <a:r>
-              <a:rPr lang="en-US" spc="-60" dirty="0">
-                <a:solidFill>
-                  <a:srgbClr val="E7E6E6"/>
-                </a:solidFill>
-                <a:latin typeface="Microsoft Sans Serif"/>
-                <a:cs typeface="Microsoft Sans Serif"/>
-              </a:rPr>
-              <a:t>March</a:t>
+              <a:t>th March</a:t>
             </a:r>
             <a:r>
               <a:rPr sz="1800" spc="-40" dirty="0">
